--- a/23-24_-_JS_angular_templates.pptx
+++ b/23-24_-_JS_angular_templates.pptx
@@ -5,7 +5,7 @@
     <p:sldMasterId id="2147483648" r:id="rId1"/>
   </p:sldMasterIdLst>
   <p:notesMasterIdLst>
-    <p:notesMasterId r:id="rId13"/>
+    <p:notesMasterId r:id="rId14"/>
   </p:notesMasterIdLst>
   <p:sldIdLst>
     <p:sldId id="256" r:id="rId2"/>
@@ -17,8 +17,9 @@
     <p:sldId id="262" r:id="rId8"/>
     <p:sldId id="263" r:id="rId9"/>
     <p:sldId id="264" r:id="rId10"/>
-    <p:sldId id="265" r:id="rId11"/>
-    <p:sldId id="266" r:id="rId12"/>
+    <p:sldId id="267" r:id="rId11"/>
+    <p:sldId id="265" r:id="rId12"/>
+    <p:sldId id="266" r:id="rId13"/>
   </p:sldIdLst>
   <p:sldSz cx="9144000" cy="6858000" type="screen4x3"/>
   <p:notesSz cx="6858000" cy="9144000"/>
@@ -207,7 +208,7 @@
           <a:p>
             <a:fld id="{F6A38780-0991-414F-81C9-847FD56EC6F2}" type="datetimeFigureOut">
               <a:rPr lang="he-IL" smtClean="0"/>
-              <a:t>ב'/ניסן/תשע"ח</a:t>
+              <a:t>ה'/ניסן/תשע"ח</a:t>
             </a:fld>
             <a:endParaRPr lang="he-IL"/>
           </a:p>
@@ -965,6 +966,873 @@
 </p:notes>
 </file>
 
+<file path=ppt/notesSlides/notesSlide5.xml><?xml version="1.0" encoding="utf-8"?>
+<p:notes xmlns:a="http://schemas.openxmlformats.org/drawingml/2006/main" xmlns:r="http://schemas.openxmlformats.org/officeDocument/2006/relationships" xmlns:p="http://schemas.openxmlformats.org/presentationml/2006/main">
+  <p:cSld>
+    <p:spTree>
+      <p:nvGrpSpPr>
+        <p:cNvPr id="1" name=""/>
+        <p:cNvGrpSpPr/>
+        <p:nvPr/>
+      </p:nvGrpSpPr>
+      <p:grpSpPr>
+        <a:xfrm>
+          <a:off x="0" y="0"/>
+          <a:ext cx="0" cy="0"/>
+          <a:chOff x="0" y="0"/>
+          <a:chExt cx="0" cy="0"/>
+        </a:xfrm>
+      </p:grpSpPr>
+      <p:sp>
+        <p:nvSpPr>
+          <p:cNvPr id="2" name="Slide Image Placeholder 1"/>
+          <p:cNvSpPr>
+            <a:spLocks noGrp="1" noRot="1" noChangeAspect="1"/>
+          </p:cNvSpPr>
+          <p:nvPr>
+            <p:ph type="sldImg"/>
+          </p:nvPr>
+        </p:nvSpPr>
+        <p:spPr/>
+      </p:sp>
+      <p:sp>
+        <p:nvSpPr>
+          <p:cNvPr id="3" name="Notes Placeholder 2"/>
+          <p:cNvSpPr>
+            <a:spLocks noGrp="1"/>
+          </p:cNvSpPr>
+          <p:nvPr>
+            <p:ph type="body" idx="1"/>
+          </p:nvPr>
+        </p:nvSpPr>
+        <p:spPr/>
+        <p:txBody>
+          <a:bodyPr/>
+          <a:lstStyle/>
+          <a:p>
+            <a:r>
+              <a:rPr lang="en-US" dirty="0"/>
+              <a:t>Ng-show/ng-hide = expression when expression has a Boolean result , can put true/false/condition for ng-show will display element if </a:t>
+            </a:r>
+            <a:r>
+              <a:rPr lang="en-US" dirty="0" err="1"/>
+              <a:t>exp</a:t>
+            </a:r>
+            <a:r>
+              <a:rPr lang="en-US" dirty="0"/>
+              <a:t> is true for ng-hide will hide if the </a:t>
+            </a:r>
+            <a:r>
+              <a:rPr lang="en-US" dirty="0" err="1"/>
+              <a:t>exp</a:t>
+            </a:r>
+            <a:r>
+              <a:rPr lang="en-US" dirty="0"/>
+              <a:t> is true.</a:t>
+            </a:r>
+          </a:p>
+          <a:p>
+            <a:r>
+              <a:rPr lang="en-US" dirty="0"/>
+              <a:t>A better use instead of ng-repeat is </a:t>
+            </a:r>
+            <a:r>
+              <a:rPr lang="en-US" b="1" dirty="0"/>
+              <a:t>ng-options only on </a:t>
+            </a:r>
+            <a:r>
+              <a:rPr lang="en-US" b="1"/>
+              <a:t>select element </a:t>
+            </a:r>
+            <a:r>
+              <a:rPr lang="en-US" b="1" dirty="0"/>
+              <a:t>( </a:t>
+            </a:r>
+            <a:r>
+              <a:rPr lang="en-US" b="0" dirty="0"/>
+              <a:t>https://www.w3schools.com/angular/ng_ng-options.asp </a:t>
+            </a:r>
+            <a:r>
+              <a:rPr lang="en-US" b="1" dirty="0"/>
+              <a:t>) </a:t>
+            </a:r>
+            <a:r>
+              <a:rPr lang="en-US" b="0" dirty="0"/>
+              <a:t>gives more options than ng-repeat. For ex:</a:t>
+            </a:r>
+          </a:p>
+          <a:p>
+            <a:r>
+              <a:rPr lang="en-US" b="0" dirty="0"/>
+              <a:t>If we have the following:</a:t>
+            </a:r>
+          </a:p>
+          <a:p>
+            <a:r>
+              <a:rPr lang="en-US" b="0" dirty="0"/>
+              <a:t>[{</a:t>
+            </a:r>
+          </a:p>
+          <a:p>
+            <a:r>
+              <a:rPr lang="en-US" b="0" dirty="0"/>
+              <a:t>   id:333,</a:t>
+            </a:r>
+          </a:p>
+          <a:p>
+            <a:r>
+              <a:rPr lang="en-US" b="0" dirty="0"/>
+              <a:t>   name: “brad pit”,</a:t>
+            </a:r>
+          </a:p>
+          <a:p>
+            <a:r>
+              <a:rPr lang="en-US" b="0" dirty="0"/>
+              <a:t>   </a:t>
+            </a:r>
+            <a:r>
+              <a:rPr lang="en-US" b="0" dirty="0" err="1"/>
+              <a:t>img</a:t>
+            </a:r>
+            <a:r>
+              <a:rPr lang="en-US" b="0" dirty="0"/>
+              <a:t>:”…”,</a:t>
+            </a:r>
+          </a:p>
+          <a:p>
+            <a:r>
+              <a:rPr lang="en-US" b="0" dirty="0"/>
+              <a:t>   birthday: “…”,</a:t>
+            </a:r>
+          </a:p>
+          <a:p>
+            <a:r>
+              <a:rPr lang="en-US" b="0" dirty="0"/>
+              <a:t>  …</a:t>
+            </a:r>
+          </a:p>
+          <a:p>
+            <a:r>
+              <a:rPr lang="en-US" b="0" dirty="0"/>
+              <a:t>},{…},…]</a:t>
+            </a:r>
+            <a:endParaRPr lang="en-US" b="1" dirty="0"/>
+          </a:p>
+          <a:p>
+            <a:r>
+              <a:rPr lang="en-US" b="1" dirty="0"/>
+              <a:t>Ng-repeat:</a:t>
+            </a:r>
+          </a:p>
+          <a:p>
+            <a:r>
+              <a:rPr lang="en-US" b="0" dirty="0"/>
+              <a:t>&lt;select ng-model=“</a:t>
+            </a:r>
+            <a:r>
+              <a:rPr lang="en-US" b="0" dirty="0" err="1"/>
+              <a:t>selectedActor</a:t>
+            </a:r>
+            <a:r>
+              <a:rPr lang="en-US" b="0" dirty="0"/>
+              <a:t>”&gt;</a:t>
+            </a:r>
+          </a:p>
+          <a:p>
+            <a:r>
+              <a:rPr lang="en-US" b="0" dirty="0"/>
+              <a:t>    &lt;options ng-repeat=“actor in actors” value=“{{actor.id}}” &gt;{{actor.name}}&lt;/options&gt;</a:t>
+            </a:r>
+          </a:p>
+          <a:p>
+            <a:r>
+              <a:rPr lang="en-US" b="0" dirty="0"/>
+              <a:t>&lt;/select&gt;</a:t>
+            </a:r>
+          </a:p>
+          <a:p>
+            <a:r>
+              <a:rPr lang="en-US" b="1" dirty="0"/>
+              <a:t>Ng-options:</a:t>
+            </a:r>
+            <a:endParaRPr lang="en-US" b="0" dirty="0"/>
+          </a:p>
+          <a:p>
+            <a:r>
+              <a:rPr lang="en-US" b="0" dirty="0"/>
+              <a:t>Using ng-options in the selected actor we will get the actual object and not only the actor.id</a:t>
+            </a:r>
+          </a:p>
+        </p:txBody>
+      </p:sp>
+      <p:sp>
+        <p:nvSpPr>
+          <p:cNvPr id="4" name="Slide Number Placeholder 3"/>
+          <p:cNvSpPr>
+            <a:spLocks noGrp="1"/>
+          </p:cNvSpPr>
+          <p:nvPr>
+            <p:ph type="sldNum" sz="quarter" idx="10"/>
+          </p:nvPr>
+        </p:nvSpPr>
+        <p:spPr/>
+        <p:txBody>
+          <a:bodyPr/>
+          <a:lstStyle/>
+          <a:p>
+            <a:fld id="{DC4C19BE-F287-4DFB-A699-2541E0B78750}" type="slidenum">
+              <a:rPr lang="he-IL" smtClean="0"/>
+              <a:t>6</a:t>
+            </a:fld>
+            <a:endParaRPr lang="he-IL"/>
+          </a:p>
+        </p:txBody>
+      </p:sp>
+    </p:spTree>
+    <p:extLst>
+      <p:ext uri="{BB962C8B-B14F-4D97-AF65-F5344CB8AC3E}">
+        <p14:creationId xmlns:p14="http://schemas.microsoft.com/office/powerpoint/2010/main" val="2277791199"/>
+      </p:ext>
+    </p:extLst>
+  </p:cSld>
+  <p:clrMapOvr>
+    <a:masterClrMapping/>
+  </p:clrMapOvr>
+</p:notes>
+</file>
+
+<file path=ppt/notesSlides/notesSlide6.xml><?xml version="1.0" encoding="utf-8"?>
+<p:notes xmlns:a="http://schemas.openxmlformats.org/drawingml/2006/main" xmlns:r="http://schemas.openxmlformats.org/officeDocument/2006/relationships" xmlns:p="http://schemas.openxmlformats.org/presentationml/2006/main">
+  <p:cSld>
+    <p:spTree>
+      <p:nvGrpSpPr>
+        <p:cNvPr id="1" name=""/>
+        <p:cNvGrpSpPr/>
+        <p:nvPr/>
+      </p:nvGrpSpPr>
+      <p:grpSpPr>
+        <a:xfrm>
+          <a:off x="0" y="0"/>
+          <a:ext cx="0" cy="0"/>
+          <a:chOff x="0" y="0"/>
+          <a:chExt cx="0" cy="0"/>
+        </a:xfrm>
+      </p:grpSpPr>
+      <p:sp>
+        <p:nvSpPr>
+          <p:cNvPr id="2" name="Slide Image Placeholder 1"/>
+          <p:cNvSpPr>
+            <a:spLocks noGrp="1" noRot="1" noChangeAspect="1"/>
+          </p:cNvSpPr>
+          <p:nvPr>
+            <p:ph type="sldImg"/>
+          </p:nvPr>
+        </p:nvSpPr>
+        <p:spPr/>
+      </p:sp>
+      <p:sp>
+        <p:nvSpPr>
+          <p:cNvPr id="3" name="Notes Placeholder 2"/>
+          <p:cNvSpPr>
+            <a:spLocks noGrp="1"/>
+          </p:cNvSpPr>
+          <p:nvPr>
+            <p:ph type="body" idx="1"/>
+          </p:nvPr>
+        </p:nvSpPr>
+        <p:spPr/>
+        <p:txBody>
+          <a:bodyPr/>
+          <a:lstStyle/>
+          <a:p>
+            <a:r>
+              <a:rPr lang="en-US" b="1" u="sng" dirty="0"/>
+              <a:t>Ng-class</a:t>
+            </a:r>
+          </a:p>
+          <a:p>
+            <a:r>
+              <a:rPr lang="en-US" b="0" u="none" dirty="0"/>
+              <a:t>Changes the way we handle element class, it can get a String, Array, Object</a:t>
+            </a:r>
+          </a:p>
+          <a:p>
+            <a:r>
+              <a:rPr lang="en-US" b="0" u="none" dirty="0"/>
+              <a:t>String – works like a regular class (setting the class of an element)</a:t>
+            </a:r>
+          </a:p>
+          <a:p>
+            <a:r>
+              <a:rPr lang="en-US" b="0" u="none" dirty="0"/>
+              <a:t>Array – array of classes to set to an element ng-class=“[‘…..’,’…..’,…]</a:t>
+            </a:r>
+          </a:p>
+          <a:p>
+            <a:r>
+              <a:rPr lang="en-US" b="0" u="none" dirty="0"/>
+              <a:t>Object – { </a:t>
+            </a:r>
+          </a:p>
+          <a:p>
+            <a:r>
+              <a:rPr lang="en-US" b="0" u="none" dirty="0"/>
+              <a:t>	</a:t>
+            </a:r>
+            <a:r>
+              <a:rPr lang="en-US" b="0" u="none" dirty="0" err="1"/>
+              <a:t>className</a:t>
+            </a:r>
+            <a:r>
+              <a:rPr lang="en-US" b="0" u="none" dirty="0"/>
+              <a:t>: bool,</a:t>
+            </a:r>
+          </a:p>
+          <a:p>
+            <a:r>
+              <a:rPr lang="en-US" b="0" u="none" dirty="0"/>
+              <a:t>	</a:t>
+            </a:r>
+            <a:r>
+              <a:rPr lang="en-US" b="0" u="none" dirty="0" err="1"/>
+              <a:t>className</a:t>
+            </a:r>
+            <a:r>
+              <a:rPr lang="en-US" b="0" u="none" dirty="0"/>
+              <a:t>: bool,</a:t>
+            </a:r>
+          </a:p>
+          <a:p>
+            <a:r>
+              <a:rPr lang="en-US" b="0" u="none" dirty="0"/>
+              <a:t>	…	</a:t>
+            </a:r>
+          </a:p>
+          <a:p>
+            <a:r>
+              <a:rPr lang="en-US" b="0" u="none" dirty="0"/>
+              <a:t>               }</a:t>
+            </a:r>
+            <a:endParaRPr lang="he-IL" b="0" u="none" dirty="0"/>
+          </a:p>
+        </p:txBody>
+      </p:sp>
+      <p:sp>
+        <p:nvSpPr>
+          <p:cNvPr id="4" name="Slide Number Placeholder 3"/>
+          <p:cNvSpPr>
+            <a:spLocks noGrp="1"/>
+          </p:cNvSpPr>
+          <p:nvPr>
+            <p:ph type="sldNum" sz="quarter" idx="10"/>
+          </p:nvPr>
+        </p:nvSpPr>
+        <p:spPr/>
+        <p:txBody>
+          <a:bodyPr/>
+          <a:lstStyle/>
+          <a:p>
+            <a:fld id="{DC4C19BE-F287-4DFB-A699-2541E0B78750}" type="slidenum">
+              <a:rPr lang="he-IL" smtClean="0"/>
+              <a:t>7</a:t>
+            </a:fld>
+            <a:endParaRPr lang="he-IL"/>
+          </a:p>
+        </p:txBody>
+      </p:sp>
+    </p:spTree>
+    <p:extLst>
+      <p:ext uri="{BB962C8B-B14F-4D97-AF65-F5344CB8AC3E}">
+        <p14:creationId xmlns:p14="http://schemas.microsoft.com/office/powerpoint/2010/main" val="4114854798"/>
+      </p:ext>
+    </p:extLst>
+  </p:cSld>
+  <p:clrMapOvr>
+    <a:masterClrMapping/>
+  </p:clrMapOvr>
+</p:notes>
+</file>
+
+<file path=ppt/notesSlides/notesSlide7.xml><?xml version="1.0" encoding="utf-8"?>
+<p:notes xmlns:a="http://schemas.openxmlformats.org/drawingml/2006/main" xmlns:r="http://schemas.openxmlformats.org/officeDocument/2006/relationships" xmlns:p="http://schemas.openxmlformats.org/presentationml/2006/main">
+  <p:cSld>
+    <p:spTree>
+      <p:nvGrpSpPr>
+        <p:cNvPr id="1" name=""/>
+        <p:cNvGrpSpPr/>
+        <p:nvPr/>
+      </p:nvGrpSpPr>
+      <p:grpSpPr>
+        <a:xfrm>
+          <a:off x="0" y="0"/>
+          <a:ext cx="0" cy="0"/>
+          <a:chOff x="0" y="0"/>
+          <a:chExt cx="0" cy="0"/>
+        </a:xfrm>
+      </p:grpSpPr>
+      <p:sp>
+        <p:nvSpPr>
+          <p:cNvPr id="2" name="Slide Image Placeholder 1"/>
+          <p:cNvSpPr>
+            <a:spLocks noGrp="1" noRot="1" noChangeAspect="1"/>
+          </p:cNvSpPr>
+          <p:nvPr>
+            <p:ph type="sldImg"/>
+          </p:nvPr>
+        </p:nvSpPr>
+        <p:spPr/>
+      </p:sp>
+      <p:sp>
+        <p:nvSpPr>
+          <p:cNvPr id="3" name="Notes Placeholder 2"/>
+          <p:cNvSpPr>
+            <a:spLocks noGrp="1"/>
+          </p:cNvSpPr>
+          <p:nvPr>
+            <p:ph type="body" idx="1"/>
+          </p:nvPr>
+        </p:nvSpPr>
+        <p:spPr/>
+        <p:txBody>
+          <a:bodyPr/>
+          <a:lstStyle/>
+          <a:p>
+            <a:pPr marL="0" indent="0">
+              <a:buFont typeface="Arial" panose="020B0604020202020204" pitchFamily="34" charset="0"/>
+              <a:buNone/>
+            </a:pPr>
+            <a:endParaRPr lang="en-US" dirty="0"/>
+          </a:p>
+          <a:p>
+            <a:pPr marL="0" indent="0">
+              <a:buFont typeface="Arial" panose="020B0604020202020204" pitchFamily="34" charset="0"/>
+              <a:buNone/>
+            </a:pPr>
+            <a:r>
+              <a:rPr lang="en-US" dirty="0"/>
+              <a:t>Promise – a </a:t>
+            </a:r>
+            <a:r>
+              <a:rPr lang="en-US" dirty="0" err="1"/>
+              <a:t>javascript</a:t>
+            </a:r>
+            <a:r>
+              <a:rPr lang="en-US" dirty="0"/>
+              <a:t> object for making </a:t>
+            </a:r>
+            <a:r>
+              <a:rPr lang="en-US" b="1" u="sng" dirty="0" err="1"/>
+              <a:t>async</a:t>
+            </a:r>
+            <a:r>
+              <a:rPr lang="en-US" u="sng" dirty="0"/>
+              <a:t> </a:t>
+            </a:r>
+            <a:r>
+              <a:rPr lang="en-US" dirty="0"/>
+              <a:t>actions.</a:t>
+            </a:r>
+          </a:p>
+          <a:p>
+            <a:pPr marL="0" indent="0">
+              <a:buFont typeface="Arial" panose="020B0604020202020204" pitchFamily="34" charset="0"/>
+              <a:buNone/>
+            </a:pPr>
+            <a:r>
+              <a:rPr lang="en-US" dirty="0"/>
+              <a:t>In </a:t>
+            </a:r>
+            <a:r>
+              <a:rPr lang="en-US" dirty="0" err="1"/>
+              <a:t>httpp</a:t>
+            </a:r>
+            <a:r>
+              <a:rPr lang="en-US" dirty="0"/>
+              <a:t> calls we want to make an </a:t>
+            </a:r>
+            <a:r>
+              <a:rPr lang="en-US" dirty="0" err="1"/>
+              <a:t>async</a:t>
+            </a:r>
+            <a:r>
+              <a:rPr lang="en-US" dirty="0"/>
+              <a:t> call and call a function when the call is returned.</a:t>
+            </a:r>
+          </a:p>
+          <a:p>
+            <a:pPr marL="0" indent="0">
+              <a:buFont typeface="Arial" panose="020B0604020202020204" pitchFamily="34" charset="0"/>
+              <a:buNone/>
+            </a:pPr>
+            <a:r>
+              <a:rPr lang="en-US" dirty="0"/>
+              <a:t>Angular http works with Promise, the return value of calling a promise object is a promise object with the property .then(…) which is called when the </a:t>
+            </a:r>
+            <a:r>
+              <a:rPr lang="en-US" dirty="0" err="1"/>
+              <a:t>async</a:t>
+            </a:r>
+            <a:r>
+              <a:rPr lang="en-US" dirty="0"/>
+              <a:t> </a:t>
+            </a:r>
+            <a:r>
+              <a:rPr lang="en-US" dirty="0" err="1"/>
+              <a:t>funcitons</a:t>
+            </a:r>
+            <a:r>
+              <a:rPr lang="en-US" dirty="0"/>
+              <a:t> returns. The .then function </a:t>
+            </a:r>
+            <a:r>
+              <a:rPr lang="en-US" dirty="0" err="1"/>
+              <a:t>lokks</a:t>
+            </a:r>
+            <a:r>
+              <a:rPr lang="en-US" dirty="0"/>
+              <a:t> like this </a:t>
+            </a:r>
+            <a:r>
+              <a:rPr lang="en-US" dirty="0" err="1"/>
+              <a:t>X.then</a:t>
+            </a:r>
+            <a:r>
+              <a:rPr lang="en-US" dirty="0"/>
+              <a:t>(</a:t>
+            </a:r>
+            <a:r>
+              <a:rPr lang="en-US" b="1" dirty="0"/>
+              <a:t>success</a:t>
+            </a:r>
+            <a:r>
+              <a:rPr lang="en-US" dirty="0"/>
+              <a:t> </a:t>
+            </a:r>
+            <a:r>
+              <a:rPr lang="en-US" dirty="0" err="1"/>
+              <a:t>function,</a:t>
+            </a:r>
+            <a:r>
+              <a:rPr lang="en-US" b="1" dirty="0" err="1"/>
+              <a:t>error</a:t>
+            </a:r>
+            <a:r>
+              <a:rPr lang="en-US" dirty="0"/>
+              <a:t> function);  -&gt; </a:t>
+            </a:r>
+            <a:r>
+              <a:rPr lang="en-US" dirty="0" err="1"/>
+              <a:t>X.then</a:t>
+            </a:r>
+            <a:r>
+              <a:rPr lang="en-US" dirty="0"/>
+              <a:t>(function(…){…},function(….){…}); </a:t>
+            </a:r>
+          </a:p>
+          <a:p>
+            <a:pPr marL="0" indent="0">
+              <a:buFont typeface="Arial" panose="020B0604020202020204" pitchFamily="34" charset="0"/>
+              <a:buNone/>
+            </a:pPr>
+            <a:r>
+              <a:rPr lang="en-US" dirty="0"/>
+              <a:t>Angular has a service called $http type of Promise with function get(</a:t>
+            </a:r>
+            <a:r>
+              <a:rPr lang="en-US" dirty="0" err="1"/>
+              <a:t>url</a:t>
+            </a:r>
+            <a:r>
+              <a:rPr lang="en-US" dirty="0"/>
+              <a:t>) :</a:t>
+            </a:r>
+          </a:p>
+          <a:p>
+            <a:pPr marL="0" indent="0">
+              <a:buFont typeface="Arial" panose="020B0604020202020204" pitchFamily="34" charset="0"/>
+              <a:buNone/>
+            </a:pPr>
+            <a:r>
+              <a:rPr lang="en-US" dirty="0"/>
+              <a:t>$</a:t>
+            </a:r>
+            <a:r>
+              <a:rPr lang="en-US" dirty="0" err="1"/>
+              <a:t>http.get</a:t>
+            </a:r>
+            <a:r>
+              <a:rPr lang="en-US" dirty="0"/>
+              <a:t>(‘http://…..’).then(function(</a:t>
+            </a:r>
+            <a:r>
+              <a:rPr lang="en-US" b="1" dirty="0"/>
+              <a:t>response</a:t>
+            </a:r>
+            <a:r>
+              <a:rPr lang="en-US" dirty="0"/>
+              <a:t>){…},function(…){…});</a:t>
+            </a:r>
+          </a:p>
+          <a:p>
+            <a:pPr marL="0" indent="0">
+              <a:buFont typeface="Arial" panose="020B0604020202020204" pitchFamily="34" charset="0"/>
+              <a:buNone/>
+            </a:pPr>
+            <a:r>
+              <a:rPr lang="en-US" dirty="0"/>
+              <a:t>The response object parameter for the success function has the properties code for the http code and data for the content of the html.</a:t>
+            </a:r>
+          </a:p>
+          <a:p>
+            <a:pPr marL="0" indent="0">
+              <a:buFont typeface="Arial" panose="020B0604020202020204" pitchFamily="34" charset="0"/>
+              <a:buNone/>
+            </a:pPr>
+            <a:r>
+              <a:rPr lang="en-US" dirty="0" err="1"/>
+              <a:t>Reponse.code</a:t>
+            </a:r>
+            <a:r>
+              <a:rPr lang="en-US" dirty="0"/>
+              <a:t> , </a:t>
+            </a:r>
+            <a:r>
+              <a:rPr lang="en-US" dirty="0" err="1"/>
+              <a:t>response.data</a:t>
+            </a:r>
+            <a:endParaRPr lang="en-US" dirty="0"/>
+          </a:p>
+          <a:p>
+            <a:pPr marL="0" indent="0">
+              <a:buFont typeface="Arial" panose="020B0604020202020204" pitchFamily="34" charset="0"/>
+              <a:buNone/>
+            </a:pPr>
+            <a:r>
+              <a:rPr lang="en-US" b="1" dirty="0"/>
+              <a:t>!!! To use the $http we have to pass it in the controller declaration.</a:t>
+            </a:r>
+          </a:p>
+          <a:p>
+            <a:pPr marL="0" indent="0">
+              <a:buFont typeface="Arial" panose="020B0604020202020204" pitchFamily="34" charset="0"/>
+              <a:buNone/>
+            </a:pPr>
+            <a:endParaRPr lang="en-US" b="1" dirty="0"/>
+          </a:p>
+          <a:p>
+            <a:pPr marL="0" indent="0">
+              <a:buFont typeface="Arial" panose="020B0604020202020204" pitchFamily="34" charset="0"/>
+              <a:buNone/>
+            </a:pPr>
+            <a:r>
+              <a:rPr lang="en-US" b="1" dirty="0">
+                <a:solidFill>
+                  <a:srgbClr val="FF0000"/>
+                </a:solidFill>
+              </a:rPr>
+              <a:t>The difference between a </a:t>
+            </a:r>
+            <a:r>
+              <a:rPr lang="en-US" b="1" dirty="0" err="1">
+                <a:solidFill>
+                  <a:srgbClr val="FF0000"/>
+                </a:solidFill>
+              </a:rPr>
+              <a:t>javascript</a:t>
+            </a:r>
+            <a:r>
+              <a:rPr lang="en-US" b="1" dirty="0">
+                <a:solidFill>
+                  <a:srgbClr val="FF0000"/>
+                </a:solidFill>
+              </a:rPr>
+              <a:t> object and a </a:t>
+            </a:r>
+            <a:r>
+              <a:rPr lang="en-US" b="1" dirty="0" err="1">
+                <a:solidFill>
+                  <a:srgbClr val="FF0000"/>
+                </a:solidFill>
+              </a:rPr>
+              <a:t>json</a:t>
+            </a:r>
+            <a:r>
+              <a:rPr lang="en-US" b="1" dirty="0">
+                <a:solidFill>
+                  <a:srgbClr val="FF0000"/>
+                </a:solidFill>
+              </a:rPr>
+              <a:t> object is that in </a:t>
+            </a:r>
+            <a:r>
+              <a:rPr lang="en-US" b="1" dirty="0" err="1">
+                <a:solidFill>
+                  <a:srgbClr val="FF0000"/>
+                </a:solidFill>
+              </a:rPr>
+              <a:t>json</a:t>
+            </a:r>
+            <a:r>
+              <a:rPr lang="en-US" b="1" dirty="0">
+                <a:solidFill>
+                  <a:srgbClr val="FF0000"/>
+                </a:solidFill>
+              </a:rPr>
+              <a:t> we have to add single or double </a:t>
+            </a:r>
+            <a:r>
+              <a:rPr lang="en-US" b="1" dirty="0" err="1">
+                <a:solidFill>
+                  <a:srgbClr val="FF0000"/>
+                </a:solidFill>
+              </a:rPr>
+              <a:t>quots</a:t>
+            </a:r>
+            <a:r>
+              <a:rPr lang="en-US" b="1" dirty="0">
+                <a:solidFill>
+                  <a:srgbClr val="FF0000"/>
+                </a:solidFill>
+              </a:rPr>
+              <a:t> to the object keys (properties)</a:t>
+            </a:r>
+          </a:p>
+          <a:p>
+            <a:pPr marL="0" indent="0">
+              <a:buFont typeface="Arial" panose="020B0604020202020204" pitchFamily="34" charset="0"/>
+              <a:buNone/>
+            </a:pPr>
+            <a:endParaRPr lang="en-US" dirty="0"/>
+          </a:p>
+          <a:p>
+            <a:pPr marL="0" indent="0">
+              <a:buFont typeface="Arial" panose="020B0604020202020204" pitchFamily="34" charset="0"/>
+              <a:buNone/>
+            </a:pPr>
+            <a:endParaRPr lang="he-IL" dirty="0"/>
+          </a:p>
+        </p:txBody>
+      </p:sp>
+      <p:sp>
+        <p:nvSpPr>
+          <p:cNvPr id="4" name="Slide Number Placeholder 3"/>
+          <p:cNvSpPr>
+            <a:spLocks noGrp="1"/>
+          </p:cNvSpPr>
+          <p:nvPr>
+            <p:ph type="sldNum" sz="quarter" idx="10"/>
+          </p:nvPr>
+        </p:nvSpPr>
+        <p:spPr/>
+        <p:txBody>
+          <a:bodyPr/>
+          <a:lstStyle/>
+          <a:p>
+            <a:fld id="{DC4C19BE-F287-4DFB-A699-2541E0B78750}" type="slidenum">
+              <a:rPr lang="he-IL" smtClean="0"/>
+              <a:t>8</a:t>
+            </a:fld>
+            <a:endParaRPr lang="he-IL"/>
+          </a:p>
+        </p:txBody>
+      </p:sp>
+    </p:spTree>
+    <p:extLst>
+      <p:ext uri="{BB962C8B-B14F-4D97-AF65-F5344CB8AC3E}">
+        <p14:creationId xmlns:p14="http://schemas.microsoft.com/office/powerpoint/2010/main" val="2602172944"/>
+      </p:ext>
+    </p:extLst>
+  </p:cSld>
+  <p:clrMapOvr>
+    <a:masterClrMapping/>
+  </p:clrMapOvr>
+</p:notes>
+</file>
+
+<file path=ppt/notesSlides/notesSlide8.xml><?xml version="1.0" encoding="utf-8"?>
+<p:notes xmlns:a="http://schemas.openxmlformats.org/drawingml/2006/main" xmlns:r="http://schemas.openxmlformats.org/officeDocument/2006/relationships" xmlns:p="http://schemas.openxmlformats.org/presentationml/2006/main">
+  <p:cSld>
+    <p:spTree>
+      <p:nvGrpSpPr>
+        <p:cNvPr id="1" name=""/>
+        <p:cNvGrpSpPr/>
+        <p:nvPr/>
+      </p:nvGrpSpPr>
+      <p:grpSpPr>
+        <a:xfrm>
+          <a:off x="0" y="0"/>
+          <a:ext cx="0" cy="0"/>
+          <a:chOff x="0" y="0"/>
+          <a:chExt cx="0" cy="0"/>
+        </a:xfrm>
+      </p:grpSpPr>
+      <p:sp>
+        <p:nvSpPr>
+          <p:cNvPr id="2" name="Slide Image Placeholder 1"/>
+          <p:cNvSpPr>
+            <a:spLocks noGrp="1" noRot="1" noChangeAspect="1"/>
+          </p:cNvSpPr>
+          <p:nvPr>
+            <p:ph type="sldImg"/>
+          </p:nvPr>
+        </p:nvSpPr>
+        <p:spPr/>
+      </p:sp>
+      <p:sp>
+        <p:nvSpPr>
+          <p:cNvPr id="3" name="Notes Placeholder 2"/>
+          <p:cNvSpPr>
+            <a:spLocks noGrp="1"/>
+          </p:cNvSpPr>
+          <p:nvPr>
+            <p:ph type="body" idx="1"/>
+          </p:nvPr>
+        </p:nvSpPr>
+        <p:spPr/>
+        <p:txBody>
+          <a:bodyPr/>
+          <a:lstStyle/>
+          <a:p>
+            <a:endParaRPr lang="he-IL" dirty="0"/>
+          </a:p>
+        </p:txBody>
+      </p:sp>
+      <p:sp>
+        <p:nvSpPr>
+          <p:cNvPr id="4" name="Slide Number Placeholder 3"/>
+          <p:cNvSpPr>
+            <a:spLocks noGrp="1"/>
+          </p:cNvSpPr>
+          <p:nvPr>
+            <p:ph type="sldNum" sz="quarter" idx="10"/>
+          </p:nvPr>
+        </p:nvSpPr>
+        <p:spPr/>
+        <p:txBody>
+          <a:bodyPr/>
+          <a:lstStyle/>
+          <a:p>
+            <a:fld id="{DC4C19BE-F287-4DFB-A699-2541E0B78750}" type="slidenum">
+              <a:rPr lang="he-IL" smtClean="0"/>
+              <a:t>10</a:t>
+            </a:fld>
+            <a:endParaRPr lang="he-IL"/>
+          </a:p>
+        </p:txBody>
+      </p:sp>
+    </p:spTree>
+    <p:extLst>
+      <p:ext uri="{BB962C8B-B14F-4D97-AF65-F5344CB8AC3E}">
+        <p14:creationId xmlns:p14="http://schemas.microsoft.com/office/powerpoint/2010/main" val="2014665941"/>
+      </p:ext>
+    </p:extLst>
+  </p:cSld>
+  <p:clrMapOvr>
+    <a:masterClrMapping/>
+  </p:clrMapOvr>
+</p:notes>
+</file>
+
 <file path=ppt/slideLayouts/slideLayout1.xml><?xml version="1.0" encoding="utf-8"?>
 <p:sldLayout xmlns:a="http://schemas.openxmlformats.org/drawingml/2006/main" xmlns:r="http://schemas.openxmlformats.org/officeDocument/2006/relationships" xmlns:p="http://schemas.openxmlformats.org/presentationml/2006/main" type="title" preserve="1">
   <p:cSld name="Title Slide">
@@ -1146,7 +2014,7 @@
           <a:p>
             <a:fld id="{6F0DA8BB-0D18-469F-8022-DD923457DE3A}" type="datetimeFigureOut">
               <a:rPr lang="nl-BE"/>
-              <a:t>18/03/2018</a:t>
+              <a:t>21/03/2018</a:t>
             </a:fld>
             <a:endParaRPr lang="nl-BE"/>
           </a:p>
@@ -1311,7 +2179,7 @@
           <a:p>
             <a:fld id="{6F0DA8BB-0D18-469F-8022-DD923457DE3A}" type="datetimeFigureOut">
               <a:rPr lang="nl-BE"/>
-              <a:t>18/03/2018</a:t>
+              <a:t>21/03/2018</a:t>
             </a:fld>
             <a:endParaRPr lang="nl-BE"/>
           </a:p>
@@ -1486,7 +2354,7 @@
           <a:p>
             <a:fld id="{6F0DA8BB-0D18-469F-8022-DD923457DE3A}" type="datetimeFigureOut">
               <a:rPr lang="nl-BE"/>
-              <a:t>18/03/2018</a:t>
+              <a:t>21/03/2018</a:t>
             </a:fld>
             <a:endParaRPr lang="nl-BE"/>
           </a:p>
@@ -1651,7 +2519,7 @@
           <a:p>
             <a:fld id="{6F0DA8BB-0D18-469F-8022-DD923457DE3A}" type="datetimeFigureOut">
               <a:rPr lang="nl-BE"/>
-              <a:t>18/03/2018</a:t>
+              <a:t>21/03/2018</a:t>
             </a:fld>
             <a:endParaRPr lang="nl-BE"/>
           </a:p>
@@ -1892,7 +2760,7 @@
           <a:p>
             <a:fld id="{6F0DA8BB-0D18-469F-8022-DD923457DE3A}" type="datetimeFigureOut">
               <a:rPr lang="nl-BE"/>
-              <a:t>18/03/2018</a:t>
+              <a:t>21/03/2018</a:t>
             </a:fld>
             <a:endParaRPr lang="nl-BE"/>
           </a:p>
@@ -2175,7 +3043,7 @@
           <a:p>
             <a:fld id="{6F0DA8BB-0D18-469F-8022-DD923457DE3A}" type="datetimeFigureOut">
               <a:rPr lang="nl-BE"/>
-              <a:t>18/03/2018</a:t>
+              <a:t>21/03/2018</a:t>
             </a:fld>
             <a:endParaRPr lang="nl-BE"/>
           </a:p>
@@ -2592,7 +3460,7 @@
           <a:p>
             <a:fld id="{6F0DA8BB-0D18-469F-8022-DD923457DE3A}" type="datetimeFigureOut">
               <a:rPr lang="nl-BE"/>
-              <a:t>18/03/2018</a:t>
+              <a:t>21/03/2018</a:t>
             </a:fld>
             <a:endParaRPr lang="nl-BE"/>
           </a:p>
@@ -2705,7 +3573,7 @@
           <a:p>
             <a:fld id="{6F0DA8BB-0D18-469F-8022-DD923457DE3A}" type="datetimeFigureOut">
               <a:rPr lang="nl-BE"/>
-              <a:t>18/03/2018</a:t>
+              <a:t>21/03/2018</a:t>
             </a:fld>
             <a:endParaRPr lang="nl-BE"/>
           </a:p>
@@ -2795,7 +3663,7 @@
           <a:p>
             <a:fld id="{6F0DA8BB-0D18-469F-8022-DD923457DE3A}" type="datetimeFigureOut">
               <a:rPr lang="nl-BE"/>
-              <a:t>18/03/2018</a:t>
+              <a:t>21/03/2018</a:t>
             </a:fld>
             <a:endParaRPr lang="nl-BE"/>
           </a:p>
@@ -3067,7 +3935,7 @@
           <a:p>
             <a:fld id="{6F0DA8BB-0D18-469F-8022-DD923457DE3A}" type="datetimeFigureOut">
               <a:rPr lang="nl-BE"/>
-              <a:t>18/03/2018</a:t>
+              <a:t>21/03/2018</a:t>
             </a:fld>
             <a:endParaRPr lang="nl-BE"/>
           </a:p>
@@ -3315,7 +4183,7 @@
           <a:p>
             <a:fld id="{6F0DA8BB-0D18-469F-8022-DD923457DE3A}" type="datetimeFigureOut">
               <a:rPr lang="nl-BE"/>
-              <a:t>18/03/2018</a:t>
+              <a:t>21/03/2018</a:t>
             </a:fld>
             <a:endParaRPr lang="nl-BE"/>
           </a:p>
@@ -3523,7 +4391,7 @@
           <a:p>
             <a:fld id="{C6430DBB-9FD5-43E7-88F1-55A569E9525E}" type="datetimeFigureOut">
               <a:rPr lang="nl-BE"/>
-              <a:t>18/03/2018</a:t>
+              <a:t>21/03/2018</a:t>
             </a:fld>
             <a:endParaRPr lang="nl-BE"/>
           </a:p>
@@ -3936,6 +4804,71 @@
       </p:nvGrpSpPr>
       <p:grpSpPr>
         <a:xfrm>
+          <a:off x="0" y="0"/>
+          <a:ext cx="0" cy="0"/>
+          <a:chOff x="0" y="0"/>
+          <a:chExt cx="0" cy="0"/>
+        </a:xfrm>
+      </p:grpSpPr>
+      <p:sp>
+        <p:nvSpPr>
+          <p:cNvPr id="2" name="TextBox 1">
+            <a:extLst>
+              <a:ext uri="{FF2B5EF4-FFF2-40B4-BE49-F238E27FC236}">
+                <a16:creationId xmlns:a16="http://schemas.microsoft.com/office/drawing/2014/main" id="{CF0A4A4C-537B-46A6-AB0B-496FC179CEF8}"/>
+              </a:ext>
+            </a:extLst>
+          </p:cNvPr>
+          <p:cNvSpPr txBox="1"/>
+          <p:nvPr/>
+        </p:nvSpPr>
+        <p:spPr>
+          <a:xfrm>
+            <a:off x="1870841" y="2782669"/>
+            <a:ext cx="5402317" cy="646331"/>
+          </a:xfrm>
+          <a:prstGeom prst="rect">
+            <a:avLst/>
+          </a:prstGeom>
+          <a:noFill/>
+        </p:spPr>
+        <p:txBody>
+          <a:bodyPr wrap="square" rtlCol="1">
+            <a:spAutoFit/>
+          </a:bodyPr>
+          <a:lstStyle/>
+          <a:p>
+            <a:r>
+              <a:rPr lang="en-US" sz="3600" dirty="0"/>
+              <a:t>Connecting to External API</a:t>
+            </a:r>
+          </a:p>
+        </p:txBody>
+      </p:sp>
+    </p:spTree>
+    <p:extLst>
+      <p:ext uri="{BB962C8B-B14F-4D97-AF65-F5344CB8AC3E}">
+        <p14:creationId xmlns:p14="http://schemas.microsoft.com/office/powerpoint/2010/main" val="1591817502"/>
+      </p:ext>
+    </p:extLst>
+  </p:cSld>
+  <p:clrMapOvr>
+    <a:masterClrMapping/>
+  </p:clrMapOvr>
+</p:sld>
+</file>
+
+<file path=ppt/slides/slide11.xml><?xml version="1.0" encoding="utf-8"?>
+<p:sld xmlns:a="http://schemas.openxmlformats.org/drawingml/2006/main" xmlns:r="http://schemas.openxmlformats.org/officeDocument/2006/relationships" xmlns:p="http://schemas.openxmlformats.org/presentationml/2006/main">
+  <p:cSld>
+    <p:spTree>
+      <p:nvGrpSpPr>
+        <p:cNvPr id="1" name=""/>
+        <p:cNvGrpSpPr/>
+        <p:nvPr/>
+      </p:nvGrpSpPr>
+      <p:grpSpPr>
+        <a:xfrm>
           <a:off x="0" y="866013"/>
           <a:ext cx="9144000" cy="6009513"/>
           <a:chOff x="0" y="866013"/>
@@ -3974,7 +4907,7 @@
 </p:sld>
 </file>
 
-<file path=ppt/slides/slide11.xml><?xml version="1.0" encoding="utf-8"?>
+<file path=ppt/slides/slide12.xml><?xml version="1.0" encoding="utf-8"?>
 <p:sld xmlns:a="http://schemas.openxmlformats.org/drawingml/2006/main" xmlns:r="http://schemas.openxmlformats.org/officeDocument/2006/relationships" xmlns:p="http://schemas.openxmlformats.org/presentationml/2006/main">
   <p:cSld>
     <p:spTree>
@@ -4245,7 +5178,7 @@
           <p:nvPr/>
         </p:nvPicPr>
         <p:blipFill>
-          <a:blip r:embed="rId2"/>
+          <a:blip r:embed="rId3"/>
           <a:stretch>
             <a:fillRect/>
           </a:stretch>
@@ -4294,7 +5227,7 @@
           <p:nvPr/>
         </p:nvPicPr>
         <p:blipFill>
-          <a:blip r:embed="rId2"/>
+          <a:blip r:embed="rId3"/>
           <a:stretch>
             <a:fillRect/>
           </a:stretch>
@@ -4343,7 +5276,7 @@
           <p:nvPr/>
         </p:nvPicPr>
         <p:blipFill>
-          <a:blip r:embed="rId2"/>
+          <a:blip r:embed="rId3"/>
           <a:stretch>
             <a:fillRect/>
           </a:stretch>
